--- a/samples/sample2.pptx
+++ b/samples/sample2.pptx
@@ -6,6 +6,7 @@
   </p:sldMasterIdLst>
   <p:sldIdLst>
     <p:sldId id="352" r:id="rId2"/>
+    <p:sldId id="353" r:id="rId3"/>
   </p:sldIdLst>
   <p:sldSz cx="12192000" cy="6858000"/>
   <p:notesSz cx="6858000" cy="9144000"/>
@@ -112,6 +113,1006 @@
 </p:presentation>
 </file>
 
+<file path=ppt/charts/chart1.xml><?xml version="1.0" encoding="utf-8"?>
+<c:chartSpace xmlns:c="http://schemas.openxmlformats.org/drawingml/2006/chart" xmlns:a="http://schemas.openxmlformats.org/drawingml/2006/main" xmlns:r="http://schemas.openxmlformats.org/officeDocument/2006/relationships" xmlns:c16r2="http://schemas.microsoft.com/office/drawing/2015/06/chart">
+  <c:date1904 val="0"/>
+  <c:lang val="ko-KR"/>
+  <c:roundedCorners val="0"/>
+  <mc:AlternateContent xmlns:mc="http://schemas.openxmlformats.org/markup-compatibility/2006">
+    <mc:Choice xmlns:c14="http://schemas.microsoft.com/office/drawing/2007/8/2/chart" Requires="c14">
+      <c14:style val="102"/>
+    </mc:Choice>
+    <mc:Fallback>
+      <c:style val="2"/>
+    </mc:Fallback>
+  </mc:AlternateContent>
+  <c:chart>
+    <c:title>
+      <c:overlay val="0"/>
+      <c:spPr>
+        <a:noFill/>
+        <a:ln>
+          <a:noFill/>
+        </a:ln>
+        <a:effectLst/>
+      </c:spPr>
+      <c:txPr>
+        <a:bodyPr rot="0" spcFirstLastPara="1" vertOverflow="ellipsis" vert="horz" wrap="square" anchor="ctr" anchorCtr="1"/>
+        <a:lstStyle/>
+        <a:p>
+          <a:pPr>
+            <a:defRPr sz="1862" b="0" i="0" u="none" strike="noStrike" kern="1200" spc="0" baseline="0">
+              <a:solidFill>
+                <a:schemeClr val="tx1">
+                  <a:lumMod val="65000"/>
+                  <a:lumOff val="35000"/>
+                </a:schemeClr>
+              </a:solidFill>
+              <a:latin typeface="+mn-lt"/>
+              <a:ea typeface="+mn-ea"/>
+              <a:cs typeface="+mn-cs"/>
+            </a:defRPr>
+          </a:pPr>
+          <a:endParaRPr lang="ko-KR"/>
+        </a:p>
+      </c:txPr>
+    </c:title>
+    <c:autoTitleDeleted val="0"/>
+    <c:plotArea>
+      <c:layout/>
+      <c:barChart>
+        <c:barDir val="col"/>
+        <c:grouping val="clustered"/>
+        <c:varyColors val="0"/>
+        <c:ser>
+          <c:idx val="0"/>
+          <c:order val="0"/>
+          <c:tx>
+            <c:strRef>
+              <c:f>Sheet1!$B$1</c:f>
+              <c:strCache>
+                <c:ptCount val="1"/>
+                <c:pt idx="0">
+                  <c:v>계열 1</c:v>
+                </c:pt>
+              </c:strCache>
+            </c:strRef>
+          </c:tx>
+          <c:spPr>
+            <a:solidFill>
+              <a:schemeClr val="accent1"/>
+            </a:solidFill>
+            <a:ln>
+              <a:noFill/>
+            </a:ln>
+            <a:effectLst/>
+          </c:spPr>
+          <c:invertIfNegative val="0"/>
+          <c:cat>
+            <c:strRef>
+              <c:f>Sheet1!$A$2:$A$5</c:f>
+              <c:strCache>
+                <c:ptCount val="4"/>
+                <c:pt idx="0">
+                  <c:v>테스트1</c:v>
+                </c:pt>
+                <c:pt idx="1">
+                  <c:v>테스트 2</c:v>
+                </c:pt>
+                <c:pt idx="2">
+                  <c:v>테스트 3</c:v>
+                </c:pt>
+                <c:pt idx="3">
+                  <c:v>항목 4</c:v>
+                </c:pt>
+              </c:strCache>
+            </c:strRef>
+          </c:cat>
+          <c:val>
+            <c:numRef>
+              <c:f>Sheet1!$B$2:$B$5</c:f>
+              <c:numCache>
+                <c:formatCode>General</c:formatCode>
+                <c:ptCount val="4"/>
+                <c:pt idx="0">
+                  <c:v>4.3</c:v>
+                </c:pt>
+                <c:pt idx="1">
+                  <c:v>2.5</c:v>
+                </c:pt>
+                <c:pt idx="2">
+                  <c:v>3.5</c:v>
+                </c:pt>
+                <c:pt idx="3">
+                  <c:v>4.5</c:v>
+                </c:pt>
+              </c:numCache>
+            </c:numRef>
+          </c:val>
+          <c:extLst>
+            <c:ext xmlns:c16="http://schemas.microsoft.com/office/drawing/2014/chart" uri="{C3380CC4-5D6E-409C-BE32-E72D297353CC}">
+              <c16:uniqueId val="{00000000-C98F-480E-ADCF-ED40819C1353}"/>
+            </c:ext>
+          </c:extLst>
+        </c:ser>
+        <c:ser>
+          <c:idx val="1"/>
+          <c:order val="1"/>
+          <c:tx>
+            <c:strRef>
+              <c:f>Sheet1!$C$1</c:f>
+              <c:strCache>
+                <c:ptCount val="1"/>
+                <c:pt idx="0">
+                  <c:v>계열 2</c:v>
+                </c:pt>
+              </c:strCache>
+            </c:strRef>
+          </c:tx>
+          <c:spPr>
+            <a:solidFill>
+              <a:schemeClr val="accent2"/>
+            </a:solidFill>
+            <a:ln>
+              <a:noFill/>
+            </a:ln>
+            <a:effectLst/>
+          </c:spPr>
+          <c:invertIfNegative val="0"/>
+          <c:cat>
+            <c:strRef>
+              <c:f>Sheet1!$A$2:$A$5</c:f>
+              <c:strCache>
+                <c:ptCount val="4"/>
+                <c:pt idx="0">
+                  <c:v>테스트1</c:v>
+                </c:pt>
+                <c:pt idx="1">
+                  <c:v>테스트 2</c:v>
+                </c:pt>
+                <c:pt idx="2">
+                  <c:v>테스트 3</c:v>
+                </c:pt>
+                <c:pt idx="3">
+                  <c:v>항목 4</c:v>
+                </c:pt>
+              </c:strCache>
+            </c:strRef>
+          </c:cat>
+          <c:val>
+            <c:numRef>
+              <c:f>Sheet1!$C$2:$C$5</c:f>
+              <c:numCache>
+                <c:formatCode>General</c:formatCode>
+                <c:ptCount val="4"/>
+                <c:pt idx="0">
+                  <c:v>2.4</c:v>
+                </c:pt>
+                <c:pt idx="1">
+                  <c:v>4.4000000000000004</c:v>
+                </c:pt>
+                <c:pt idx="2">
+                  <c:v>1.8</c:v>
+                </c:pt>
+                <c:pt idx="3">
+                  <c:v>2.8</c:v>
+                </c:pt>
+              </c:numCache>
+            </c:numRef>
+          </c:val>
+          <c:extLst>
+            <c:ext xmlns:c16="http://schemas.microsoft.com/office/drawing/2014/chart" uri="{C3380CC4-5D6E-409C-BE32-E72D297353CC}">
+              <c16:uniqueId val="{00000001-C98F-480E-ADCF-ED40819C1353}"/>
+            </c:ext>
+          </c:extLst>
+        </c:ser>
+        <c:ser>
+          <c:idx val="2"/>
+          <c:order val="2"/>
+          <c:tx>
+            <c:strRef>
+              <c:f>Sheet1!$D$1</c:f>
+              <c:strCache>
+                <c:ptCount val="1"/>
+                <c:pt idx="0">
+                  <c:v>계열 3</c:v>
+                </c:pt>
+              </c:strCache>
+            </c:strRef>
+          </c:tx>
+          <c:spPr>
+            <a:solidFill>
+              <a:schemeClr val="accent3"/>
+            </a:solidFill>
+            <a:ln>
+              <a:noFill/>
+            </a:ln>
+            <a:effectLst/>
+          </c:spPr>
+          <c:invertIfNegative val="0"/>
+          <c:cat>
+            <c:strRef>
+              <c:f>Sheet1!$A$2:$A$5</c:f>
+              <c:strCache>
+                <c:ptCount val="4"/>
+                <c:pt idx="0">
+                  <c:v>테스트1</c:v>
+                </c:pt>
+                <c:pt idx="1">
+                  <c:v>테스트 2</c:v>
+                </c:pt>
+                <c:pt idx="2">
+                  <c:v>테스트 3</c:v>
+                </c:pt>
+                <c:pt idx="3">
+                  <c:v>항목 4</c:v>
+                </c:pt>
+              </c:strCache>
+            </c:strRef>
+          </c:cat>
+          <c:val>
+            <c:numRef>
+              <c:f>Sheet1!$D$2:$D$5</c:f>
+              <c:numCache>
+                <c:formatCode>General</c:formatCode>
+                <c:ptCount val="4"/>
+                <c:pt idx="0">
+                  <c:v>2</c:v>
+                </c:pt>
+                <c:pt idx="1">
+                  <c:v>2</c:v>
+                </c:pt>
+                <c:pt idx="2">
+                  <c:v>3</c:v>
+                </c:pt>
+                <c:pt idx="3">
+                  <c:v>5</c:v>
+                </c:pt>
+              </c:numCache>
+            </c:numRef>
+          </c:val>
+          <c:extLst>
+            <c:ext xmlns:c16="http://schemas.microsoft.com/office/drawing/2014/chart" uri="{C3380CC4-5D6E-409C-BE32-E72D297353CC}">
+              <c16:uniqueId val="{00000002-C98F-480E-ADCF-ED40819C1353}"/>
+            </c:ext>
+          </c:extLst>
+        </c:ser>
+        <c:dLbls>
+          <c:showLegendKey val="0"/>
+          <c:showVal val="0"/>
+          <c:showCatName val="0"/>
+          <c:showSerName val="0"/>
+          <c:showPercent val="0"/>
+          <c:showBubbleSize val="0"/>
+        </c:dLbls>
+        <c:gapWidth val="219"/>
+        <c:overlap val="-27"/>
+        <c:axId val="584358784"/>
+        <c:axId val="584348224"/>
+      </c:barChart>
+      <c:catAx>
+        <c:axId val="584358784"/>
+        <c:scaling>
+          <c:orientation val="minMax"/>
+        </c:scaling>
+        <c:delete val="0"/>
+        <c:axPos val="b"/>
+        <c:numFmt formatCode="General" sourceLinked="1"/>
+        <c:majorTickMark val="none"/>
+        <c:minorTickMark val="none"/>
+        <c:tickLblPos val="nextTo"/>
+        <c:spPr>
+          <a:noFill/>
+          <a:ln w="9525" cap="flat" cmpd="sng" algn="ctr">
+            <a:solidFill>
+              <a:schemeClr val="tx1">
+                <a:lumMod val="15000"/>
+                <a:lumOff val="85000"/>
+              </a:schemeClr>
+            </a:solidFill>
+            <a:round/>
+          </a:ln>
+          <a:effectLst/>
+        </c:spPr>
+        <c:txPr>
+          <a:bodyPr rot="-60000000" spcFirstLastPara="1" vertOverflow="ellipsis" vert="horz" wrap="square" anchor="ctr" anchorCtr="1"/>
+          <a:lstStyle/>
+          <a:p>
+            <a:pPr>
+              <a:defRPr sz="1197" b="0" i="0" u="none" strike="noStrike" kern="1200" baseline="0">
+                <a:solidFill>
+                  <a:schemeClr val="tx1">
+                    <a:lumMod val="65000"/>
+                    <a:lumOff val="35000"/>
+                  </a:schemeClr>
+                </a:solidFill>
+                <a:latin typeface="+mn-lt"/>
+                <a:ea typeface="+mn-ea"/>
+                <a:cs typeface="+mn-cs"/>
+              </a:defRPr>
+            </a:pPr>
+            <a:endParaRPr lang="ko-KR"/>
+          </a:p>
+        </c:txPr>
+        <c:crossAx val="584348224"/>
+        <c:crosses val="autoZero"/>
+        <c:auto val="1"/>
+        <c:lblAlgn val="ctr"/>
+        <c:lblOffset val="100"/>
+        <c:noMultiLvlLbl val="0"/>
+      </c:catAx>
+      <c:valAx>
+        <c:axId val="584348224"/>
+        <c:scaling>
+          <c:orientation val="minMax"/>
+        </c:scaling>
+        <c:delete val="0"/>
+        <c:axPos val="l"/>
+        <c:majorGridlines>
+          <c:spPr>
+            <a:ln w="9525" cap="flat" cmpd="sng" algn="ctr">
+              <a:solidFill>
+                <a:schemeClr val="tx1">
+                  <a:lumMod val="15000"/>
+                  <a:lumOff val="85000"/>
+                </a:schemeClr>
+              </a:solidFill>
+              <a:round/>
+            </a:ln>
+            <a:effectLst/>
+          </c:spPr>
+        </c:majorGridlines>
+        <c:numFmt formatCode="General" sourceLinked="1"/>
+        <c:majorTickMark val="none"/>
+        <c:minorTickMark val="none"/>
+        <c:tickLblPos val="nextTo"/>
+        <c:spPr>
+          <a:noFill/>
+          <a:ln>
+            <a:noFill/>
+          </a:ln>
+          <a:effectLst/>
+        </c:spPr>
+        <c:txPr>
+          <a:bodyPr rot="-60000000" spcFirstLastPara="1" vertOverflow="ellipsis" vert="horz" wrap="square" anchor="ctr" anchorCtr="1"/>
+          <a:lstStyle/>
+          <a:p>
+            <a:pPr>
+              <a:defRPr sz="1197" b="0" i="0" u="none" strike="noStrike" kern="1200" baseline="0">
+                <a:solidFill>
+                  <a:schemeClr val="tx1">
+                    <a:lumMod val="65000"/>
+                    <a:lumOff val="35000"/>
+                  </a:schemeClr>
+                </a:solidFill>
+                <a:latin typeface="+mn-lt"/>
+                <a:ea typeface="+mn-ea"/>
+                <a:cs typeface="+mn-cs"/>
+              </a:defRPr>
+            </a:pPr>
+            <a:endParaRPr lang="ko-KR"/>
+          </a:p>
+        </c:txPr>
+        <c:crossAx val="584358784"/>
+        <c:crosses val="autoZero"/>
+        <c:crossBetween val="between"/>
+      </c:valAx>
+      <c:spPr>
+        <a:noFill/>
+        <a:ln>
+          <a:noFill/>
+        </a:ln>
+        <a:effectLst/>
+      </c:spPr>
+    </c:plotArea>
+    <c:legend>
+      <c:legendPos val="b"/>
+      <c:overlay val="0"/>
+      <c:spPr>
+        <a:noFill/>
+        <a:ln>
+          <a:noFill/>
+        </a:ln>
+        <a:effectLst/>
+      </c:spPr>
+      <c:txPr>
+        <a:bodyPr rot="0" spcFirstLastPara="1" vertOverflow="ellipsis" vert="horz" wrap="square" anchor="ctr" anchorCtr="1"/>
+        <a:lstStyle/>
+        <a:p>
+          <a:pPr>
+            <a:defRPr sz="1197" b="0" i="0" u="none" strike="noStrike" kern="1200" baseline="0">
+              <a:solidFill>
+                <a:schemeClr val="tx1">
+                  <a:lumMod val="65000"/>
+                  <a:lumOff val="35000"/>
+                </a:schemeClr>
+              </a:solidFill>
+              <a:latin typeface="+mn-lt"/>
+              <a:ea typeface="+mn-ea"/>
+              <a:cs typeface="+mn-cs"/>
+            </a:defRPr>
+          </a:pPr>
+          <a:endParaRPr lang="ko-KR"/>
+        </a:p>
+      </c:txPr>
+    </c:legend>
+    <c:plotVisOnly val="1"/>
+    <c:dispBlanksAs val="gap"/>
+    <c:extLst>
+      <c:ext xmlns:c16r3="http://schemas.microsoft.com/office/drawing/2017/03/chart" uri="{56B9EC1D-385E-4148-901F-78D8002777C0}">
+        <c16r3:dataDisplayOptions16>
+          <c16r3:dispNaAsBlank val="1"/>
+        </c16r3:dataDisplayOptions16>
+      </c:ext>
+    </c:extLst>
+    <c:showDLblsOverMax val="0"/>
+  </c:chart>
+  <c:spPr>
+    <a:noFill/>
+    <a:ln>
+      <a:noFill/>
+    </a:ln>
+    <a:effectLst/>
+  </c:spPr>
+  <c:txPr>
+    <a:bodyPr/>
+    <a:lstStyle/>
+    <a:p>
+      <a:pPr>
+        <a:defRPr/>
+      </a:pPr>
+      <a:endParaRPr lang="ko-KR"/>
+    </a:p>
+  </c:txPr>
+  <c:externalData r:id="rId3">
+    <c:autoUpdate val="0"/>
+  </c:externalData>
+</c:chartSpace>
+</file>
+
+<file path=ppt/charts/colors1.xml><?xml version="1.0" encoding="utf-8"?>
+<cs:colorStyle xmlns:cs="http://schemas.microsoft.com/office/drawing/2012/chartStyle" xmlns:a="http://schemas.openxmlformats.org/drawingml/2006/main" meth="cycle" id="10">
+  <a:schemeClr val="accent1"/>
+  <a:schemeClr val="accent2"/>
+  <a:schemeClr val="accent3"/>
+  <a:schemeClr val="accent4"/>
+  <a:schemeClr val="accent5"/>
+  <a:schemeClr val="accent6"/>
+  <cs:variation/>
+  <cs:variation>
+    <a:lumMod val="60000"/>
+  </cs:variation>
+  <cs:variation>
+    <a:lumMod val="80000"/>
+    <a:lumOff val="20000"/>
+  </cs:variation>
+  <cs:variation>
+    <a:lumMod val="80000"/>
+  </cs:variation>
+  <cs:variation>
+    <a:lumMod val="60000"/>
+    <a:lumOff val="40000"/>
+  </cs:variation>
+  <cs:variation>
+    <a:lumMod val="50000"/>
+  </cs:variation>
+  <cs:variation>
+    <a:lumMod val="70000"/>
+    <a:lumOff val="30000"/>
+  </cs:variation>
+  <cs:variation>
+    <a:lumMod val="70000"/>
+  </cs:variation>
+  <cs:variation>
+    <a:lumMod val="50000"/>
+    <a:lumOff val="50000"/>
+  </cs:variation>
+</cs:colorStyle>
+</file>
+
+<file path=ppt/charts/style1.xml><?xml version="1.0" encoding="utf-8"?>
+<cs:chartStyle xmlns:cs="http://schemas.microsoft.com/office/drawing/2012/chartStyle" xmlns:a="http://schemas.openxmlformats.org/drawingml/2006/main" id="201">
+  <cs:axisTitle>
+    <cs:lnRef idx="0"/>
+    <cs:fillRef idx="0"/>
+    <cs:effectRef idx="0"/>
+    <cs:fontRef idx="minor">
+      <a:schemeClr val="tx1">
+        <a:lumMod val="65000"/>
+        <a:lumOff val="35000"/>
+      </a:schemeClr>
+    </cs:fontRef>
+    <cs:defRPr sz="1330" kern="1200"/>
+  </cs:axisTitle>
+  <cs:categoryAxis>
+    <cs:lnRef idx="0"/>
+    <cs:fillRef idx="0"/>
+    <cs:effectRef idx="0"/>
+    <cs:fontRef idx="minor">
+      <a:schemeClr val="tx1">
+        <a:lumMod val="65000"/>
+        <a:lumOff val="35000"/>
+      </a:schemeClr>
+    </cs:fontRef>
+    <cs:spPr>
+      <a:ln w="9525" cap="flat" cmpd="sng" algn="ctr">
+        <a:solidFill>
+          <a:schemeClr val="tx1">
+            <a:lumMod val="15000"/>
+            <a:lumOff val="85000"/>
+          </a:schemeClr>
+        </a:solidFill>
+        <a:round/>
+      </a:ln>
+    </cs:spPr>
+    <cs:defRPr sz="1197" kern="1200"/>
+  </cs:categoryAxis>
+  <cs:chartArea mods="allowNoFillOverride allowNoLineOverride">
+    <cs:lnRef idx="0"/>
+    <cs:fillRef idx="0"/>
+    <cs:effectRef idx="0"/>
+    <cs:fontRef idx="minor">
+      <a:schemeClr val="tx1"/>
+    </cs:fontRef>
+    <cs:spPr>
+      <a:solidFill>
+        <a:schemeClr val="bg1"/>
+      </a:solidFill>
+      <a:ln w="9525" cap="flat" cmpd="sng" algn="ctr">
+        <a:solidFill>
+          <a:schemeClr val="tx1">
+            <a:lumMod val="15000"/>
+            <a:lumOff val="85000"/>
+          </a:schemeClr>
+        </a:solidFill>
+        <a:round/>
+      </a:ln>
+    </cs:spPr>
+    <cs:defRPr sz="1330" kern="1200"/>
+  </cs:chartArea>
+  <cs:dataLabel>
+    <cs:lnRef idx="0"/>
+    <cs:fillRef idx="0"/>
+    <cs:effectRef idx="0"/>
+    <cs:fontRef idx="minor">
+      <a:schemeClr val="tx1">
+        <a:lumMod val="75000"/>
+        <a:lumOff val="25000"/>
+      </a:schemeClr>
+    </cs:fontRef>
+    <cs:defRPr sz="1197" kern="1200"/>
+  </cs:dataLabel>
+  <cs:dataLabelCallout>
+    <cs:lnRef idx="0"/>
+    <cs:fillRef idx="0"/>
+    <cs:effectRef idx="0"/>
+    <cs:fontRef idx="minor">
+      <a:schemeClr val="dk1">
+        <a:lumMod val="65000"/>
+        <a:lumOff val="35000"/>
+      </a:schemeClr>
+    </cs:fontRef>
+    <cs:spPr>
+      <a:solidFill>
+        <a:schemeClr val="lt1"/>
+      </a:solidFill>
+      <a:ln>
+        <a:solidFill>
+          <a:schemeClr val="dk1">
+            <a:lumMod val="25000"/>
+            <a:lumOff val="75000"/>
+          </a:schemeClr>
+        </a:solidFill>
+      </a:ln>
+    </cs:spPr>
+    <cs:defRPr sz="1197" kern="1200"/>
+    <cs:bodyPr rot="0" spcFirstLastPara="1" vertOverflow="clip" horzOverflow="clip" vert="horz" wrap="square" lIns="36576" tIns="18288" rIns="36576" bIns="18288" anchor="ctr" anchorCtr="1">
+      <a:spAutoFit/>
+    </cs:bodyPr>
+  </cs:dataLabelCallout>
+  <cs:dataPoint>
+    <cs:lnRef idx="0"/>
+    <cs:fillRef idx="1">
+      <cs:styleClr val="auto"/>
+    </cs:fillRef>
+    <cs:effectRef idx="0"/>
+    <cs:fontRef idx="minor">
+      <a:schemeClr val="tx1"/>
+    </cs:fontRef>
+  </cs:dataPoint>
+  <cs:dataPoint3D>
+    <cs:lnRef idx="0"/>
+    <cs:fillRef idx="1">
+      <cs:styleClr val="auto"/>
+    </cs:fillRef>
+    <cs:effectRef idx="0"/>
+    <cs:fontRef idx="minor">
+      <a:schemeClr val="tx1"/>
+    </cs:fontRef>
+  </cs:dataPoint3D>
+  <cs:dataPointLine>
+    <cs:lnRef idx="0">
+      <cs:styleClr val="auto"/>
+    </cs:lnRef>
+    <cs:fillRef idx="1"/>
+    <cs:effectRef idx="0"/>
+    <cs:fontRef idx="minor">
+      <a:schemeClr val="tx1"/>
+    </cs:fontRef>
+    <cs:spPr>
+      <a:ln w="28575" cap="rnd">
+        <a:solidFill>
+          <a:schemeClr val="phClr"/>
+        </a:solidFill>
+        <a:round/>
+      </a:ln>
+    </cs:spPr>
+  </cs:dataPointLine>
+  <cs:dataPointMarker>
+    <cs:lnRef idx="0">
+      <cs:styleClr val="auto"/>
+    </cs:lnRef>
+    <cs:fillRef idx="1">
+      <cs:styleClr val="auto"/>
+    </cs:fillRef>
+    <cs:effectRef idx="0"/>
+    <cs:fontRef idx="minor">
+      <a:schemeClr val="tx1"/>
+    </cs:fontRef>
+    <cs:spPr>
+      <a:ln w="9525">
+        <a:solidFill>
+          <a:schemeClr val="phClr"/>
+        </a:solidFill>
+      </a:ln>
+    </cs:spPr>
+  </cs:dataPointMarker>
+  <cs:dataPointMarkerLayout symbol="circle" size="5"/>
+  <cs:dataPointWireframe>
+    <cs:lnRef idx="0">
+      <cs:styleClr val="auto"/>
+    </cs:lnRef>
+    <cs:fillRef idx="1"/>
+    <cs:effectRef idx="0"/>
+    <cs:fontRef idx="minor">
+      <a:schemeClr val="tx1"/>
+    </cs:fontRef>
+    <cs:spPr>
+      <a:ln w="9525" cap="rnd">
+        <a:solidFill>
+          <a:schemeClr val="phClr"/>
+        </a:solidFill>
+        <a:round/>
+      </a:ln>
+    </cs:spPr>
+  </cs:dataPointWireframe>
+  <cs:dataTable>
+    <cs:lnRef idx="0"/>
+    <cs:fillRef idx="0"/>
+    <cs:effectRef idx="0"/>
+    <cs:fontRef idx="minor">
+      <a:schemeClr val="tx1">
+        <a:lumMod val="65000"/>
+        <a:lumOff val="35000"/>
+      </a:schemeClr>
+    </cs:fontRef>
+    <cs:spPr>
+      <a:noFill/>
+      <a:ln w="9525" cap="flat" cmpd="sng" algn="ctr">
+        <a:solidFill>
+          <a:schemeClr val="tx1">
+            <a:lumMod val="15000"/>
+            <a:lumOff val="85000"/>
+          </a:schemeClr>
+        </a:solidFill>
+        <a:round/>
+      </a:ln>
+    </cs:spPr>
+    <cs:defRPr sz="1197" kern="1200"/>
+  </cs:dataTable>
+  <cs:downBar>
+    <cs:lnRef idx="0"/>
+    <cs:fillRef idx="0"/>
+    <cs:effectRef idx="0"/>
+    <cs:fontRef idx="minor">
+      <a:schemeClr val="dk1"/>
+    </cs:fontRef>
+    <cs:spPr>
+      <a:solidFill>
+        <a:schemeClr val="dk1">
+          <a:lumMod val="65000"/>
+          <a:lumOff val="35000"/>
+        </a:schemeClr>
+      </a:solidFill>
+      <a:ln w="9525">
+        <a:solidFill>
+          <a:schemeClr val="tx1">
+            <a:lumMod val="65000"/>
+            <a:lumOff val="35000"/>
+          </a:schemeClr>
+        </a:solidFill>
+      </a:ln>
+    </cs:spPr>
+  </cs:downBar>
+  <cs:dropLine>
+    <cs:lnRef idx="0"/>
+    <cs:fillRef idx="0"/>
+    <cs:effectRef idx="0"/>
+    <cs:fontRef idx="minor">
+      <a:schemeClr val="tx1"/>
+    </cs:fontRef>
+    <cs:spPr>
+      <a:ln w="9525" cap="flat" cmpd="sng" algn="ctr">
+        <a:solidFill>
+          <a:schemeClr val="tx1">
+            <a:lumMod val="35000"/>
+            <a:lumOff val="65000"/>
+          </a:schemeClr>
+        </a:solidFill>
+        <a:round/>
+      </a:ln>
+    </cs:spPr>
+  </cs:dropLine>
+  <cs:errorBar>
+    <cs:lnRef idx="0"/>
+    <cs:fillRef idx="0"/>
+    <cs:effectRef idx="0"/>
+    <cs:fontRef idx="minor">
+      <a:schemeClr val="tx1"/>
+    </cs:fontRef>
+    <cs:spPr>
+      <a:ln w="9525" cap="flat" cmpd="sng" algn="ctr">
+        <a:solidFill>
+          <a:schemeClr val="tx1">
+            <a:lumMod val="65000"/>
+            <a:lumOff val="35000"/>
+          </a:schemeClr>
+        </a:solidFill>
+        <a:round/>
+      </a:ln>
+    </cs:spPr>
+  </cs:errorBar>
+  <cs:floor>
+    <cs:lnRef idx="0"/>
+    <cs:fillRef idx="0"/>
+    <cs:effectRef idx="0"/>
+    <cs:fontRef idx="minor">
+      <a:schemeClr val="tx1"/>
+    </cs:fontRef>
+    <cs:spPr>
+      <a:noFill/>
+      <a:ln>
+        <a:noFill/>
+      </a:ln>
+    </cs:spPr>
+  </cs:floor>
+  <cs:gridlineMajor>
+    <cs:lnRef idx="0"/>
+    <cs:fillRef idx="0"/>
+    <cs:effectRef idx="0"/>
+    <cs:fontRef idx="minor">
+      <a:schemeClr val="tx1"/>
+    </cs:fontRef>
+    <cs:spPr>
+      <a:ln w="9525" cap="flat" cmpd="sng" algn="ctr">
+        <a:solidFill>
+          <a:schemeClr val="tx1">
+            <a:lumMod val="15000"/>
+            <a:lumOff val="85000"/>
+          </a:schemeClr>
+        </a:solidFill>
+        <a:round/>
+      </a:ln>
+    </cs:spPr>
+  </cs:gridlineMajor>
+  <cs:gridlineMinor>
+    <cs:lnRef idx="0"/>
+    <cs:fillRef idx="0"/>
+    <cs:effectRef idx="0"/>
+    <cs:fontRef idx="minor">
+      <a:schemeClr val="tx1"/>
+    </cs:fontRef>
+    <cs:spPr>
+      <a:ln w="9525" cap="flat" cmpd="sng" algn="ctr">
+        <a:solidFill>
+          <a:schemeClr val="tx1">
+            <a:lumMod val="5000"/>
+            <a:lumOff val="95000"/>
+          </a:schemeClr>
+        </a:solidFill>
+        <a:round/>
+      </a:ln>
+    </cs:spPr>
+  </cs:gridlineMinor>
+  <cs:hiLoLine>
+    <cs:lnRef idx="0"/>
+    <cs:fillRef idx="0"/>
+    <cs:effectRef idx="0"/>
+    <cs:fontRef idx="minor">
+      <a:schemeClr val="tx1"/>
+    </cs:fontRef>
+    <cs:spPr>
+      <a:ln w="9525" cap="flat" cmpd="sng" algn="ctr">
+        <a:solidFill>
+          <a:schemeClr val="tx1">
+            <a:lumMod val="75000"/>
+            <a:lumOff val="25000"/>
+          </a:schemeClr>
+        </a:solidFill>
+        <a:round/>
+      </a:ln>
+    </cs:spPr>
+  </cs:hiLoLine>
+  <cs:leaderLine>
+    <cs:lnRef idx="0"/>
+    <cs:fillRef idx="0"/>
+    <cs:effectRef idx="0"/>
+    <cs:fontRef idx="minor">
+      <a:schemeClr val="tx1"/>
+    </cs:fontRef>
+    <cs:spPr>
+      <a:ln w="9525" cap="flat" cmpd="sng" algn="ctr">
+        <a:solidFill>
+          <a:schemeClr val="tx1">
+            <a:lumMod val="35000"/>
+            <a:lumOff val="65000"/>
+          </a:schemeClr>
+        </a:solidFill>
+        <a:round/>
+      </a:ln>
+    </cs:spPr>
+  </cs:leaderLine>
+  <cs:legend>
+    <cs:lnRef idx="0"/>
+    <cs:fillRef idx="0"/>
+    <cs:effectRef idx="0"/>
+    <cs:fontRef idx="minor">
+      <a:schemeClr val="tx1">
+        <a:lumMod val="65000"/>
+        <a:lumOff val="35000"/>
+      </a:schemeClr>
+    </cs:fontRef>
+    <cs:defRPr sz="1197" kern="1200"/>
+  </cs:legend>
+  <cs:plotArea mods="allowNoFillOverride allowNoLineOverride">
+    <cs:lnRef idx="0"/>
+    <cs:fillRef idx="0"/>
+    <cs:effectRef idx="0"/>
+    <cs:fontRef idx="minor">
+      <a:schemeClr val="tx1"/>
+    </cs:fontRef>
+  </cs:plotArea>
+  <cs:plotArea3D mods="allowNoFillOverride allowNoLineOverride">
+    <cs:lnRef idx="0"/>
+    <cs:fillRef idx="0"/>
+    <cs:effectRef idx="0"/>
+    <cs:fontRef idx="minor">
+      <a:schemeClr val="tx1"/>
+    </cs:fontRef>
+  </cs:plotArea3D>
+  <cs:seriesAxis>
+    <cs:lnRef idx="0"/>
+    <cs:fillRef idx="0"/>
+    <cs:effectRef idx="0"/>
+    <cs:fontRef idx="minor">
+      <a:schemeClr val="tx1">
+        <a:lumMod val="65000"/>
+        <a:lumOff val="35000"/>
+      </a:schemeClr>
+    </cs:fontRef>
+    <cs:defRPr sz="1197" kern="1200"/>
+  </cs:seriesAxis>
+  <cs:seriesLine>
+    <cs:lnRef idx="0"/>
+    <cs:fillRef idx="0"/>
+    <cs:effectRef idx="0"/>
+    <cs:fontRef idx="minor">
+      <a:schemeClr val="tx1"/>
+    </cs:fontRef>
+    <cs:spPr>
+      <a:ln w="9525" cap="flat" cmpd="sng" algn="ctr">
+        <a:solidFill>
+          <a:schemeClr val="tx1">
+            <a:lumMod val="35000"/>
+            <a:lumOff val="65000"/>
+          </a:schemeClr>
+        </a:solidFill>
+        <a:round/>
+      </a:ln>
+    </cs:spPr>
+  </cs:seriesLine>
+  <cs:title>
+    <cs:lnRef idx="0"/>
+    <cs:fillRef idx="0"/>
+    <cs:effectRef idx="0"/>
+    <cs:fontRef idx="minor">
+      <a:schemeClr val="tx1">
+        <a:lumMod val="65000"/>
+        <a:lumOff val="35000"/>
+      </a:schemeClr>
+    </cs:fontRef>
+    <cs:defRPr sz="1862" b="0" kern="1200" spc="0" baseline="0"/>
+  </cs:title>
+  <cs:trendline>
+    <cs:lnRef idx="0">
+      <cs:styleClr val="auto"/>
+    </cs:lnRef>
+    <cs:fillRef idx="0"/>
+    <cs:effectRef idx="0"/>
+    <cs:fontRef idx="minor">
+      <a:schemeClr val="tx1"/>
+    </cs:fontRef>
+    <cs:spPr>
+      <a:ln w="19050" cap="rnd">
+        <a:solidFill>
+          <a:schemeClr val="phClr"/>
+        </a:solidFill>
+        <a:prstDash val="sysDot"/>
+      </a:ln>
+    </cs:spPr>
+  </cs:trendline>
+  <cs:trendlineLabel>
+    <cs:lnRef idx="0"/>
+    <cs:fillRef idx="0"/>
+    <cs:effectRef idx="0"/>
+    <cs:fontRef idx="minor">
+      <a:schemeClr val="tx1">
+        <a:lumMod val="65000"/>
+        <a:lumOff val="35000"/>
+      </a:schemeClr>
+    </cs:fontRef>
+    <cs:defRPr sz="1197" kern="1200"/>
+  </cs:trendlineLabel>
+  <cs:upBar>
+    <cs:lnRef idx="0"/>
+    <cs:fillRef idx="0"/>
+    <cs:effectRef idx="0"/>
+    <cs:fontRef idx="minor">
+      <a:schemeClr val="dk1"/>
+    </cs:fontRef>
+    <cs:spPr>
+      <a:solidFill>
+        <a:schemeClr val="lt1"/>
+      </a:solidFill>
+      <a:ln w="9525">
+        <a:solidFill>
+          <a:schemeClr val="tx1">
+            <a:lumMod val="15000"/>
+            <a:lumOff val="85000"/>
+          </a:schemeClr>
+        </a:solidFill>
+      </a:ln>
+    </cs:spPr>
+  </cs:upBar>
+  <cs:valueAxis>
+    <cs:lnRef idx="0"/>
+    <cs:fillRef idx="0"/>
+    <cs:effectRef idx="0"/>
+    <cs:fontRef idx="minor">
+      <a:schemeClr val="tx1">
+        <a:lumMod val="65000"/>
+        <a:lumOff val="35000"/>
+      </a:schemeClr>
+    </cs:fontRef>
+    <cs:defRPr sz="1197" kern="1200"/>
+  </cs:valueAxis>
+  <cs:wall>
+    <cs:lnRef idx="0"/>
+    <cs:fillRef idx="0"/>
+    <cs:effectRef idx="0"/>
+    <cs:fontRef idx="minor">
+      <a:schemeClr val="tx1"/>
+    </cs:fontRef>
+    <cs:spPr>
+      <a:noFill/>
+      <a:ln>
+        <a:noFill/>
+      </a:ln>
+    </cs:spPr>
+  </cs:wall>
+</cs:chartStyle>
+</file>
+
 <file path=ppt/slideLayouts/slideLayout1.xml><?xml version="1.0" encoding="utf-8"?>
 <p:sldLayout xmlns:a="http://schemas.openxmlformats.org/drawingml/2006/main" xmlns:r="http://schemas.openxmlformats.org/officeDocument/2006/relationships" xmlns:p="http://schemas.openxmlformats.org/presentationml/2006/main" type="title" preserve="1">
   <p:cSld name="제목 슬라이드">
@@ -259,7 +1260,7 @@
           <a:p>
             <a:fld id="{60102DAB-7FBC-4B3F-B566-59F4E8DE6308}" type="datetimeFigureOut">
               <a:rPr lang="ko-KR" altLang="en-US" smtClean="0"/>
-              <a:t>2025-04-03</a:t>
+              <a:t>2025-04-08</a:t>
             </a:fld>
             <a:endParaRPr lang="ko-KR" altLang="en-US"/>
           </a:p>
@@ -457,7 +1458,7 @@
           <a:p>
             <a:fld id="{60102DAB-7FBC-4B3F-B566-59F4E8DE6308}" type="datetimeFigureOut">
               <a:rPr lang="ko-KR" altLang="en-US" smtClean="0"/>
-              <a:t>2025-04-03</a:t>
+              <a:t>2025-04-08</a:t>
             </a:fld>
             <a:endParaRPr lang="ko-KR" altLang="en-US"/>
           </a:p>
@@ -665,7 +1666,7 @@
           <a:p>
             <a:fld id="{60102DAB-7FBC-4B3F-B566-59F4E8DE6308}" type="datetimeFigureOut">
               <a:rPr lang="ko-KR" altLang="en-US" smtClean="0"/>
-              <a:t>2025-04-03</a:t>
+              <a:t>2025-04-08</a:t>
             </a:fld>
             <a:endParaRPr lang="ko-KR" altLang="en-US"/>
           </a:p>
@@ -1226,7 +2227,7 @@
           <a:p>
             <a:fld id="{60102DAB-7FBC-4B3F-B566-59F4E8DE6308}" type="datetimeFigureOut">
               <a:rPr lang="ko-KR" altLang="en-US" smtClean="0"/>
-              <a:t>2025-04-03</a:t>
+              <a:t>2025-04-08</a:t>
             </a:fld>
             <a:endParaRPr lang="ko-KR" altLang="en-US"/>
           </a:p>
@@ -1501,7 +2502,7 @@
           <a:p>
             <a:fld id="{60102DAB-7FBC-4B3F-B566-59F4E8DE6308}" type="datetimeFigureOut">
               <a:rPr lang="ko-KR" altLang="en-US" smtClean="0"/>
-              <a:t>2025-04-03</a:t>
+              <a:t>2025-04-08</a:t>
             </a:fld>
             <a:endParaRPr lang="ko-KR" altLang="en-US"/>
           </a:p>
@@ -1766,7 +2767,7 @@
           <a:p>
             <a:fld id="{60102DAB-7FBC-4B3F-B566-59F4E8DE6308}" type="datetimeFigureOut">
               <a:rPr lang="ko-KR" altLang="en-US" smtClean="0"/>
-              <a:t>2025-04-03</a:t>
+              <a:t>2025-04-08</a:t>
             </a:fld>
             <a:endParaRPr lang="ko-KR" altLang="en-US"/>
           </a:p>
@@ -2178,7 +3179,7 @@
           <a:p>
             <a:fld id="{60102DAB-7FBC-4B3F-B566-59F4E8DE6308}" type="datetimeFigureOut">
               <a:rPr lang="ko-KR" altLang="en-US" smtClean="0"/>
-              <a:t>2025-04-03</a:t>
+              <a:t>2025-04-08</a:t>
             </a:fld>
             <a:endParaRPr lang="ko-KR" altLang="en-US"/>
           </a:p>
@@ -2319,7 +3320,7 @@
           <a:p>
             <a:fld id="{60102DAB-7FBC-4B3F-B566-59F4E8DE6308}" type="datetimeFigureOut">
               <a:rPr lang="ko-KR" altLang="en-US" smtClean="0"/>
-              <a:t>2025-04-03</a:t>
+              <a:t>2025-04-08</a:t>
             </a:fld>
             <a:endParaRPr lang="ko-KR" altLang="en-US"/>
           </a:p>
@@ -2432,7 +3433,7 @@
           <a:p>
             <a:fld id="{60102DAB-7FBC-4B3F-B566-59F4E8DE6308}" type="datetimeFigureOut">
               <a:rPr lang="ko-KR" altLang="en-US" smtClean="0"/>
-              <a:t>2025-04-03</a:t>
+              <a:t>2025-04-08</a:t>
             </a:fld>
             <a:endParaRPr lang="ko-KR" altLang="en-US"/>
           </a:p>
@@ -2743,7 +3744,7 @@
           <a:p>
             <a:fld id="{60102DAB-7FBC-4B3F-B566-59F4E8DE6308}" type="datetimeFigureOut">
               <a:rPr lang="ko-KR" altLang="en-US" smtClean="0"/>
-              <a:t>2025-04-03</a:t>
+              <a:t>2025-04-08</a:t>
             </a:fld>
             <a:endParaRPr lang="ko-KR" altLang="en-US"/>
           </a:p>
@@ -3031,7 +4032,7 @@
           <a:p>
             <a:fld id="{60102DAB-7FBC-4B3F-B566-59F4E8DE6308}" type="datetimeFigureOut">
               <a:rPr lang="ko-KR" altLang="en-US" smtClean="0"/>
-              <a:t>2025-04-03</a:t>
+              <a:t>2025-04-08</a:t>
             </a:fld>
             <a:endParaRPr lang="ko-KR" altLang="en-US"/>
           </a:p>
@@ -3272,7 +4273,7 @@
           <a:p>
             <a:fld id="{60102DAB-7FBC-4B3F-B566-59F4E8DE6308}" type="datetimeFigureOut">
               <a:rPr lang="ko-KR" altLang="en-US" smtClean="0"/>
-              <a:t>2025-04-03</a:t>
+              <a:t>2025-04-08</a:t>
             </a:fld>
             <a:endParaRPr lang="ko-KR" altLang="en-US"/>
           </a:p>
@@ -5000,6 +6001,1073 @@
     <p:extLst>
       <p:ext uri="{BB962C8B-B14F-4D97-AF65-F5344CB8AC3E}">
         <p14:creationId xmlns:p14="http://schemas.microsoft.com/office/powerpoint/2010/main" val="2684601005"/>
+      </p:ext>
+    </p:extLst>
+  </p:cSld>
+  <p:clrMapOvr>
+    <a:masterClrMapping/>
+  </p:clrMapOvr>
+</p:sld>
+</file>
+
+<file path=ppt/slides/slide2.xml><?xml version="1.0" encoding="utf-8"?>
+<p:sld xmlns:a="http://schemas.openxmlformats.org/drawingml/2006/main" xmlns:r="http://schemas.openxmlformats.org/officeDocument/2006/relationships" xmlns:p="http://schemas.openxmlformats.org/presentationml/2006/main">
+  <p:cSld>
+    <p:spTree>
+      <p:nvGrpSpPr>
+        <p:cNvPr id="1" name=""/>
+        <p:cNvGrpSpPr/>
+        <p:nvPr/>
+      </p:nvGrpSpPr>
+      <p:grpSpPr>
+        <a:xfrm>
+          <a:off x="0" y="0"/>
+          <a:ext cx="0" cy="0"/>
+          <a:chOff x="0" y="0"/>
+          <a:chExt cx="0" cy="0"/>
+        </a:xfrm>
+      </p:grpSpPr>
+      <p:sp>
+        <p:nvSpPr>
+          <p:cNvPr id="2" name="텍스트 개체 틀 1">
+            <a:extLst>
+              <a:ext uri="{FF2B5EF4-FFF2-40B4-BE49-F238E27FC236}">
+                <a16:creationId xmlns:a16="http://schemas.microsoft.com/office/drawing/2014/main" id="{F22D73FB-9EDD-54FB-61E6-EC61BFFA3784}"/>
+              </a:ext>
+            </a:extLst>
+          </p:cNvPr>
+          <p:cNvSpPr>
+            <a:spLocks noGrp="1"/>
+          </p:cNvSpPr>
+          <p:nvPr>
+            <p:ph type="body" sz="quarter" idx="10"/>
+          </p:nvPr>
+        </p:nvSpPr>
+        <p:spPr/>
+        <p:txBody>
+          <a:bodyPr/>
+          <a:lstStyle/>
+          <a:p>
+            <a:endParaRPr lang="ko-KR" altLang="en-US"/>
+          </a:p>
+        </p:txBody>
+      </p:sp>
+      <p:sp>
+        <p:nvSpPr>
+          <p:cNvPr id="3" name="텍스트 개체 틀 2">
+            <a:extLst>
+              <a:ext uri="{FF2B5EF4-FFF2-40B4-BE49-F238E27FC236}">
+                <a16:creationId xmlns:a16="http://schemas.microsoft.com/office/drawing/2014/main" id="{951A33DB-4B4C-37E5-324D-FD4BFC4532F6}"/>
+              </a:ext>
+            </a:extLst>
+          </p:cNvPr>
+          <p:cNvSpPr>
+            <a:spLocks noGrp="1"/>
+          </p:cNvSpPr>
+          <p:nvPr>
+            <p:ph type="body" sz="quarter" idx="11"/>
+          </p:nvPr>
+        </p:nvSpPr>
+        <p:spPr/>
+        <p:txBody>
+          <a:bodyPr/>
+          <a:lstStyle/>
+          <a:p>
+            <a:endParaRPr lang="ko-KR" altLang="en-US"/>
+          </a:p>
+        </p:txBody>
+      </p:sp>
+      <p:sp>
+        <p:nvSpPr>
+          <p:cNvPr id="4" name="슬라이드 번호 개체 틀 3">
+            <a:extLst>
+              <a:ext uri="{FF2B5EF4-FFF2-40B4-BE49-F238E27FC236}">
+                <a16:creationId xmlns:a16="http://schemas.microsoft.com/office/drawing/2014/main" id="{A7FA53B6-79ED-7D02-1384-799BE7975E31}"/>
+              </a:ext>
+            </a:extLst>
+          </p:cNvPr>
+          <p:cNvSpPr>
+            <a:spLocks noGrp="1"/>
+          </p:cNvSpPr>
+          <p:nvPr>
+            <p:ph type="sldNum" sz="quarter" idx="12"/>
+          </p:nvPr>
+        </p:nvSpPr>
+        <p:spPr/>
+        <p:txBody>
+          <a:bodyPr/>
+          <a:lstStyle/>
+          <a:p>
+            <a:fld id="{18CE1CD2-70B4-433B-ACD4-A8034689B19D}" type="slidenum">
+              <a:rPr lang="en-US" altLang="ko-KR" smtClean="0"/>
+              <a:pPr/>
+              <a:t>2</a:t>
+            </a:fld>
+            <a:endParaRPr lang="en-US" altLang="ko-KR"/>
+          </a:p>
+        </p:txBody>
+      </p:sp>
+      <p:graphicFrame>
+        <p:nvGraphicFramePr>
+          <p:cNvPr id="5" name="표 4">
+            <a:extLst>
+              <a:ext uri="{FF2B5EF4-FFF2-40B4-BE49-F238E27FC236}">
+                <a16:creationId xmlns:a16="http://schemas.microsoft.com/office/drawing/2014/main" id="{FE0275A4-E1F2-F0FC-2ACA-56E7E704E195}"/>
+              </a:ext>
+            </a:extLst>
+          </p:cNvPr>
+          <p:cNvGraphicFramePr>
+            <a:graphicFrameLocks noGrp="1"/>
+          </p:cNvGraphicFramePr>
+          <p:nvPr>
+            <p:extLst>
+              <p:ext uri="{D42A27DB-BD31-4B8C-83A1-F6EECF244321}">
+                <p14:modId xmlns:p14="http://schemas.microsoft.com/office/powerpoint/2010/main" val="4240626730"/>
+              </p:ext>
+            </p:extLst>
+          </p:nvPr>
+        </p:nvGraphicFramePr>
+        <p:xfrm>
+          <a:off x="730045" y="1263010"/>
+          <a:ext cx="10515600" cy="2743200"/>
+        </p:xfrm>
+        <a:graphic>
+          <a:graphicData uri="http://schemas.openxmlformats.org/drawingml/2006/table">
+            <a:tbl>
+              <a:tblPr/>
+              <a:tblGrid>
+                <a:gridCol w="2103120">
+                  <a:extLst>
+                    <a:ext uri="{9D8B030D-6E8A-4147-A177-3AD203B41FA5}">
+                      <a16:colId xmlns:a16="http://schemas.microsoft.com/office/drawing/2014/main" val="4167121945"/>
+                    </a:ext>
+                  </a:extLst>
+                </a:gridCol>
+                <a:gridCol w="2103120">
+                  <a:extLst>
+                    <a:ext uri="{9D8B030D-6E8A-4147-A177-3AD203B41FA5}">
+                      <a16:colId xmlns:a16="http://schemas.microsoft.com/office/drawing/2014/main" val="1442253809"/>
+                    </a:ext>
+                  </a:extLst>
+                </a:gridCol>
+                <a:gridCol w="2103120">
+                  <a:extLst>
+                    <a:ext uri="{9D8B030D-6E8A-4147-A177-3AD203B41FA5}">
+                      <a16:colId xmlns:a16="http://schemas.microsoft.com/office/drawing/2014/main" val="634221176"/>
+                    </a:ext>
+                  </a:extLst>
+                </a:gridCol>
+                <a:gridCol w="2103120">
+                  <a:extLst>
+                    <a:ext uri="{9D8B030D-6E8A-4147-A177-3AD203B41FA5}">
+                      <a16:colId xmlns:a16="http://schemas.microsoft.com/office/drawing/2014/main" val="2642213670"/>
+                    </a:ext>
+                  </a:extLst>
+                </a:gridCol>
+                <a:gridCol w="2103120">
+                  <a:extLst>
+                    <a:ext uri="{9D8B030D-6E8A-4147-A177-3AD203B41FA5}">
+                      <a16:colId xmlns:a16="http://schemas.microsoft.com/office/drawing/2014/main" val="682742979"/>
+                    </a:ext>
+                  </a:extLst>
+                </a:gridCol>
+              </a:tblGrid>
+              <a:tr h="0">
+                <a:tc>
+                  <a:txBody>
+                    <a:bodyPr/>
+                    <a:lstStyle/>
+                    <a:p>
+                      <a:r>
+                        <a:rPr lang="ko-KR" altLang="en-US"/>
+                        <a:t>부서명</a:t>
+                      </a:r>
+                    </a:p>
+                  </a:txBody>
+                  <a:tcPr anchor="ctr">
+                    <a:lnL>
+                      <a:noFill/>
+                    </a:lnL>
+                    <a:lnR>
+                      <a:noFill/>
+                    </a:lnR>
+                    <a:lnT>
+                      <a:noFill/>
+                    </a:lnT>
+                    <a:lnB>
+                      <a:noFill/>
+                    </a:lnB>
+                    <a:noFill/>
+                  </a:tcPr>
+                </a:tc>
+                <a:tc>
+                  <a:txBody>
+                    <a:bodyPr/>
+                    <a:lstStyle/>
+                    <a:p>
+                      <a:r>
+                        <a:rPr lang="ko-KR" altLang="en-US"/>
+                        <a:t>담당자</a:t>
+                      </a:r>
+                    </a:p>
+                  </a:txBody>
+                  <a:tcPr anchor="ctr">
+                    <a:lnL>
+                      <a:noFill/>
+                    </a:lnL>
+                    <a:lnR>
+                      <a:noFill/>
+                    </a:lnR>
+                    <a:lnT>
+                      <a:noFill/>
+                    </a:lnT>
+                    <a:lnB>
+                      <a:noFill/>
+                    </a:lnB>
+                    <a:noFill/>
+                  </a:tcPr>
+                </a:tc>
+                <a:tc>
+                  <a:txBody>
+                    <a:bodyPr/>
+                    <a:lstStyle/>
+                    <a:p>
+                      <a:r>
+                        <a:rPr lang="ko-KR" altLang="en-US"/>
+                        <a:t>진행 중인 업무</a:t>
+                      </a:r>
+                    </a:p>
+                  </a:txBody>
+                  <a:tcPr anchor="ctr">
+                    <a:lnL>
+                      <a:noFill/>
+                    </a:lnL>
+                    <a:lnR>
+                      <a:noFill/>
+                    </a:lnR>
+                    <a:lnT>
+                      <a:noFill/>
+                    </a:lnT>
+                    <a:lnB>
+                      <a:noFill/>
+                    </a:lnB>
+                    <a:noFill/>
+                  </a:tcPr>
+                </a:tc>
+                <a:tc>
+                  <a:txBody>
+                    <a:bodyPr/>
+                    <a:lstStyle/>
+                    <a:p>
+                      <a:r>
+                        <a:rPr lang="ko-KR" altLang="en-US"/>
+                        <a:t>상태</a:t>
+                      </a:r>
+                    </a:p>
+                  </a:txBody>
+                  <a:tcPr anchor="ctr">
+                    <a:lnL>
+                      <a:noFill/>
+                    </a:lnL>
+                    <a:lnR>
+                      <a:noFill/>
+                    </a:lnR>
+                    <a:lnT>
+                      <a:noFill/>
+                    </a:lnT>
+                    <a:lnB>
+                      <a:noFill/>
+                    </a:lnB>
+                    <a:noFill/>
+                  </a:tcPr>
+                </a:tc>
+                <a:tc>
+                  <a:txBody>
+                    <a:bodyPr/>
+                    <a:lstStyle/>
+                    <a:p>
+                      <a:r>
+                        <a:rPr lang="ko-KR" altLang="en-US"/>
+                        <a:t>마감일</a:t>
+                      </a:r>
+                    </a:p>
+                  </a:txBody>
+                  <a:tcPr anchor="ctr">
+                    <a:lnL>
+                      <a:noFill/>
+                    </a:lnL>
+                    <a:lnR>
+                      <a:noFill/>
+                    </a:lnR>
+                    <a:lnT>
+                      <a:noFill/>
+                    </a:lnT>
+                    <a:lnB>
+                      <a:noFill/>
+                    </a:lnB>
+                    <a:noFill/>
+                  </a:tcPr>
+                </a:tc>
+                <a:extLst>
+                  <a:ext uri="{0D108BD9-81ED-4DB2-BD59-A6C34878D82A}">
+                    <a16:rowId xmlns:a16="http://schemas.microsoft.com/office/drawing/2014/main" val="3575167300"/>
+                  </a:ext>
+                </a:extLst>
+              </a:tr>
+              <a:tr h="0">
+                <a:tc>
+                  <a:txBody>
+                    <a:bodyPr/>
+                    <a:lstStyle/>
+                    <a:p>
+                      <a:r>
+                        <a:rPr lang="ko-KR" altLang="en-US"/>
+                        <a:t>개발팀</a:t>
+                      </a:r>
+                    </a:p>
+                  </a:txBody>
+                  <a:tcPr anchor="ctr">
+                    <a:lnL>
+                      <a:noFill/>
+                    </a:lnL>
+                    <a:lnR>
+                      <a:noFill/>
+                    </a:lnR>
+                    <a:lnT>
+                      <a:noFill/>
+                    </a:lnT>
+                    <a:lnB>
+                      <a:noFill/>
+                    </a:lnB>
+                    <a:noFill/>
+                  </a:tcPr>
+                </a:tc>
+                <a:tc>
+                  <a:txBody>
+                    <a:bodyPr/>
+                    <a:lstStyle/>
+                    <a:p>
+                      <a:r>
+                        <a:rPr lang="ko-KR" altLang="en-US"/>
+                        <a:t>김현수</a:t>
+                      </a:r>
+                    </a:p>
+                  </a:txBody>
+                  <a:tcPr anchor="ctr">
+                    <a:lnL>
+                      <a:noFill/>
+                    </a:lnL>
+                    <a:lnR>
+                      <a:noFill/>
+                    </a:lnR>
+                    <a:lnT>
+                      <a:noFill/>
+                    </a:lnT>
+                    <a:lnB>
+                      <a:noFill/>
+                    </a:lnB>
+                    <a:noFill/>
+                  </a:tcPr>
+                </a:tc>
+                <a:tc>
+                  <a:txBody>
+                    <a:bodyPr/>
+                    <a:lstStyle/>
+                    <a:p>
+                      <a:r>
+                        <a:rPr lang="ko-KR" altLang="en-US"/>
+                        <a:t>로그인 기능 개선</a:t>
+                      </a:r>
+                    </a:p>
+                  </a:txBody>
+                  <a:tcPr anchor="ctr">
+                    <a:lnL>
+                      <a:noFill/>
+                    </a:lnL>
+                    <a:lnR>
+                      <a:noFill/>
+                    </a:lnR>
+                    <a:lnT>
+                      <a:noFill/>
+                    </a:lnT>
+                    <a:lnB>
+                      <a:noFill/>
+                    </a:lnB>
+                    <a:noFill/>
+                  </a:tcPr>
+                </a:tc>
+                <a:tc>
+                  <a:txBody>
+                    <a:bodyPr/>
+                    <a:lstStyle/>
+                    <a:p>
+                      <a:r>
+                        <a:rPr lang="ko-KR" altLang="en-US"/>
+                        <a:t>진행 중</a:t>
+                      </a:r>
+                    </a:p>
+                  </a:txBody>
+                  <a:tcPr anchor="ctr">
+                    <a:lnL>
+                      <a:noFill/>
+                    </a:lnL>
+                    <a:lnR>
+                      <a:noFill/>
+                    </a:lnR>
+                    <a:lnT>
+                      <a:noFill/>
+                    </a:lnT>
+                    <a:lnB>
+                      <a:noFill/>
+                    </a:lnB>
+                    <a:noFill/>
+                  </a:tcPr>
+                </a:tc>
+                <a:tc>
+                  <a:txBody>
+                    <a:bodyPr/>
+                    <a:lstStyle/>
+                    <a:p>
+                      <a:r>
+                        <a:rPr lang="en-US" altLang="ko-KR"/>
+                        <a:t>2025-04-15</a:t>
+                      </a:r>
+                    </a:p>
+                  </a:txBody>
+                  <a:tcPr anchor="ctr">
+                    <a:lnL>
+                      <a:noFill/>
+                    </a:lnL>
+                    <a:lnR>
+                      <a:noFill/>
+                    </a:lnR>
+                    <a:lnT>
+                      <a:noFill/>
+                    </a:lnT>
+                    <a:lnB>
+                      <a:noFill/>
+                    </a:lnB>
+                    <a:noFill/>
+                  </a:tcPr>
+                </a:tc>
+                <a:extLst>
+                  <a:ext uri="{0D108BD9-81ED-4DB2-BD59-A6C34878D82A}">
+                    <a16:rowId xmlns:a16="http://schemas.microsoft.com/office/drawing/2014/main" val="1602410289"/>
+                  </a:ext>
+                </a:extLst>
+              </a:tr>
+              <a:tr h="0">
+                <a:tc>
+                  <a:txBody>
+                    <a:bodyPr/>
+                    <a:lstStyle/>
+                    <a:p>
+                      <a:r>
+                        <a:rPr lang="ko-KR" altLang="en-US"/>
+                        <a:t>디자인팀</a:t>
+                      </a:r>
+                    </a:p>
+                  </a:txBody>
+                  <a:tcPr anchor="ctr">
+                    <a:lnL>
+                      <a:noFill/>
+                    </a:lnL>
+                    <a:lnR>
+                      <a:noFill/>
+                    </a:lnR>
+                    <a:lnT>
+                      <a:noFill/>
+                    </a:lnT>
+                    <a:lnB>
+                      <a:noFill/>
+                    </a:lnB>
+                    <a:noFill/>
+                  </a:tcPr>
+                </a:tc>
+                <a:tc>
+                  <a:txBody>
+                    <a:bodyPr/>
+                    <a:lstStyle/>
+                    <a:p>
+                      <a:r>
+                        <a:rPr lang="ko-KR" altLang="en-US"/>
+                        <a:t>이채연</a:t>
+                      </a:r>
+                    </a:p>
+                  </a:txBody>
+                  <a:tcPr anchor="ctr">
+                    <a:lnL>
+                      <a:noFill/>
+                    </a:lnL>
+                    <a:lnR>
+                      <a:noFill/>
+                    </a:lnR>
+                    <a:lnT>
+                      <a:noFill/>
+                    </a:lnT>
+                    <a:lnB>
+                      <a:noFill/>
+                    </a:lnB>
+                    <a:noFill/>
+                  </a:tcPr>
+                </a:tc>
+                <a:tc>
+                  <a:txBody>
+                    <a:bodyPr/>
+                    <a:lstStyle/>
+                    <a:p>
+                      <a:r>
+                        <a:rPr lang="ko-KR" altLang="en-US"/>
+                        <a:t>메인 페이지 리디자인</a:t>
+                      </a:r>
+                    </a:p>
+                  </a:txBody>
+                  <a:tcPr anchor="ctr">
+                    <a:lnL>
+                      <a:noFill/>
+                    </a:lnL>
+                    <a:lnR>
+                      <a:noFill/>
+                    </a:lnR>
+                    <a:lnT>
+                      <a:noFill/>
+                    </a:lnT>
+                    <a:lnB>
+                      <a:noFill/>
+                    </a:lnB>
+                    <a:noFill/>
+                  </a:tcPr>
+                </a:tc>
+                <a:tc>
+                  <a:txBody>
+                    <a:bodyPr/>
+                    <a:lstStyle/>
+                    <a:p>
+                      <a:r>
+                        <a:rPr lang="ko-KR" altLang="en-US"/>
+                        <a:t>완료</a:t>
+                      </a:r>
+                    </a:p>
+                  </a:txBody>
+                  <a:tcPr anchor="ctr">
+                    <a:lnL>
+                      <a:noFill/>
+                    </a:lnL>
+                    <a:lnR>
+                      <a:noFill/>
+                    </a:lnR>
+                    <a:lnT>
+                      <a:noFill/>
+                    </a:lnT>
+                    <a:lnB>
+                      <a:noFill/>
+                    </a:lnB>
+                    <a:noFill/>
+                  </a:tcPr>
+                </a:tc>
+                <a:tc>
+                  <a:txBody>
+                    <a:bodyPr/>
+                    <a:lstStyle/>
+                    <a:p>
+                      <a:r>
+                        <a:rPr lang="en-US" altLang="ko-KR"/>
+                        <a:t>2025-04-01</a:t>
+                      </a:r>
+                    </a:p>
+                  </a:txBody>
+                  <a:tcPr anchor="ctr">
+                    <a:lnL>
+                      <a:noFill/>
+                    </a:lnL>
+                    <a:lnR>
+                      <a:noFill/>
+                    </a:lnR>
+                    <a:lnT>
+                      <a:noFill/>
+                    </a:lnT>
+                    <a:lnB>
+                      <a:noFill/>
+                    </a:lnB>
+                    <a:noFill/>
+                  </a:tcPr>
+                </a:tc>
+                <a:extLst>
+                  <a:ext uri="{0D108BD9-81ED-4DB2-BD59-A6C34878D82A}">
+                    <a16:rowId xmlns:a16="http://schemas.microsoft.com/office/drawing/2014/main" val="1941247758"/>
+                  </a:ext>
+                </a:extLst>
+              </a:tr>
+              <a:tr h="0">
+                <a:tc>
+                  <a:txBody>
+                    <a:bodyPr/>
+                    <a:lstStyle/>
+                    <a:p>
+                      <a:r>
+                        <a:rPr lang="ko-KR" altLang="en-US"/>
+                        <a:t>기획팀</a:t>
+                      </a:r>
+                    </a:p>
+                  </a:txBody>
+                  <a:tcPr anchor="ctr">
+                    <a:lnL>
+                      <a:noFill/>
+                    </a:lnL>
+                    <a:lnR>
+                      <a:noFill/>
+                    </a:lnR>
+                    <a:lnT>
+                      <a:noFill/>
+                    </a:lnT>
+                    <a:lnB>
+                      <a:noFill/>
+                    </a:lnB>
+                    <a:noFill/>
+                  </a:tcPr>
+                </a:tc>
+                <a:tc>
+                  <a:txBody>
+                    <a:bodyPr/>
+                    <a:lstStyle/>
+                    <a:p>
+                      <a:r>
+                        <a:rPr lang="ko-KR" altLang="en-US"/>
+                        <a:t>박지민</a:t>
+                      </a:r>
+                    </a:p>
+                  </a:txBody>
+                  <a:tcPr anchor="ctr">
+                    <a:lnL>
+                      <a:noFill/>
+                    </a:lnL>
+                    <a:lnR>
+                      <a:noFill/>
+                    </a:lnR>
+                    <a:lnT>
+                      <a:noFill/>
+                    </a:lnT>
+                    <a:lnB>
+                      <a:noFill/>
+                    </a:lnB>
+                    <a:noFill/>
+                  </a:tcPr>
+                </a:tc>
+                <a:tc>
+                  <a:txBody>
+                    <a:bodyPr/>
+                    <a:lstStyle/>
+                    <a:p>
+                      <a:r>
+                        <a:rPr lang="ko-KR" altLang="en-US"/>
+                        <a:t>신규 서비스 기획</a:t>
+                      </a:r>
+                    </a:p>
+                  </a:txBody>
+                  <a:tcPr anchor="ctr">
+                    <a:lnL>
+                      <a:noFill/>
+                    </a:lnL>
+                    <a:lnR>
+                      <a:noFill/>
+                    </a:lnR>
+                    <a:lnT>
+                      <a:noFill/>
+                    </a:lnT>
+                    <a:lnB>
+                      <a:noFill/>
+                    </a:lnB>
+                    <a:noFill/>
+                  </a:tcPr>
+                </a:tc>
+                <a:tc>
+                  <a:txBody>
+                    <a:bodyPr/>
+                    <a:lstStyle/>
+                    <a:p>
+                      <a:r>
+                        <a:rPr lang="ko-KR" altLang="en-US"/>
+                        <a:t>예정</a:t>
+                      </a:r>
+                    </a:p>
+                  </a:txBody>
+                  <a:tcPr anchor="ctr">
+                    <a:lnL>
+                      <a:noFill/>
+                    </a:lnL>
+                    <a:lnR>
+                      <a:noFill/>
+                    </a:lnR>
+                    <a:lnT>
+                      <a:noFill/>
+                    </a:lnT>
+                    <a:lnB>
+                      <a:noFill/>
+                    </a:lnB>
+                    <a:noFill/>
+                  </a:tcPr>
+                </a:tc>
+                <a:tc>
+                  <a:txBody>
+                    <a:bodyPr/>
+                    <a:lstStyle/>
+                    <a:p>
+                      <a:r>
+                        <a:rPr lang="en-US" altLang="ko-KR"/>
+                        <a:t>2025-04-20</a:t>
+                      </a:r>
+                    </a:p>
+                  </a:txBody>
+                  <a:tcPr anchor="ctr">
+                    <a:lnL>
+                      <a:noFill/>
+                    </a:lnL>
+                    <a:lnR>
+                      <a:noFill/>
+                    </a:lnR>
+                    <a:lnT>
+                      <a:noFill/>
+                    </a:lnT>
+                    <a:lnB>
+                      <a:noFill/>
+                    </a:lnB>
+                    <a:noFill/>
+                  </a:tcPr>
+                </a:tc>
+                <a:extLst>
+                  <a:ext uri="{0D108BD9-81ED-4DB2-BD59-A6C34878D82A}">
+                    <a16:rowId xmlns:a16="http://schemas.microsoft.com/office/drawing/2014/main" val="1716896768"/>
+                  </a:ext>
+                </a:extLst>
+              </a:tr>
+              <a:tr h="0">
+                <a:tc>
+                  <a:txBody>
+                    <a:bodyPr/>
+                    <a:lstStyle/>
+                    <a:p>
+                      <a:r>
+                        <a:rPr lang="en-US"/>
+                        <a:t>QA</a:t>
+                      </a:r>
+                      <a:r>
+                        <a:rPr lang="ko-KR" altLang="en-US"/>
+                        <a:t>팀</a:t>
+                      </a:r>
+                    </a:p>
+                  </a:txBody>
+                  <a:tcPr anchor="ctr">
+                    <a:lnL>
+                      <a:noFill/>
+                    </a:lnL>
+                    <a:lnR>
+                      <a:noFill/>
+                    </a:lnR>
+                    <a:lnT>
+                      <a:noFill/>
+                    </a:lnT>
+                    <a:lnB>
+                      <a:noFill/>
+                    </a:lnB>
+                    <a:noFill/>
+                  </a:tcPr>
+                </a:tc>
+                <a:tc>
+                  <a:txBody>
+                    <a:bodyPr/>
+                    <a:lstStyle/>
+                    <a:p>
+                      <a:r>
+                        <a:rPr lang="ko-KR" altLang="en-US"/>
+                        <a:t>정국</a:t>
+                      </a:r>
+                    </a:p>
+                  </a:txBody>
+                  <a:tcPr anchor="ctr">
+                    <a:lnL>
+                      <a:noFill/>
+                    </a:lnL>
+                    <a:lnR>
+                      <a:noFill/>
+                    </a:lnR>
+                    <a:lnT>
+                      <a:noFill/>
+                    </a:lnT>
+                    <a:lnB>
+                      <a:noFill/>
+                    </a:lnB>
+                    <a:noFill/>
+                  </a:tcPr>
+                </a:tc>
+                <a:tc>
+                  <a:txBody>
+                    <a:bodyPr/>
+                    <a:lstStyle/>
+                    <a:p>
+                      <a:r>
+                        <a:rPr lang="ko-KR" altLang="en-US"/>
+                        <a:t>기능 테스트</a:t>
+                      </a:r>
+                    </a:p>
+                  </a:txBody>
+                  <a:tcPr anchor="ctr">
+                    <a:lnL>
+                      <a:noFill/>
+                    </a:lnL>
+                    <a:lnR>
+                      <a:noFill/>
+                    </a:lnR>
+                    <a:lnT>
+                      <a:noFill/>
+                    </a:lnT>
+                    <a:lnB>
+                      <a:noFill/>
+                    </a:lnB>
+                    <a:noFill/>
+                  </a:tcPr>
+                </a:tc>
+                <a:tc>
+                  <a:txBody>
+                    <a:bodyPr/>
+                    <a:lstStyle/>
+                    <a:p>
+                      <a:r>
+                        <a:rPr lang="ko-KR" altLang="en-US"/>
+                        <a:t>진행 중</a:t>
+                      </a:r>
+                    </a:p>
+                  </a:txBody>
+                  <a:tcPr anchor="ctr">
+                    <a:lnL>
+                      <a:noFill/>
+                    </a:lnL>
+                    <a:lnR>
+                      <a:noFill/>
+                    </a:lnR>
+                    <a:lnT>
+                      <a:noFill/>
+                    </a:lnT>
+                    <a:lnB>
+                      <a:noFill/>
+                    </a:lnB>
+                    <a:noFill/>
+                  </a:tcPr>
+                </a:tc>
+                <a:tc>
+                  <a:txBody>
+                    <a:bodyPr/>
+                    <a:lstStyle/>
+                    <a:p>
+                      <a:r>
+                        <a:rPr lang="en-US" altLang="ko-KR"/>
+                        <a:t>2025-04-10</a:t>
+                      </a:r>
+                    </a:p>
+                  </a:txBody>
+                  <a:tcPr anchor="ctr">
+                    <a:lnL>
+                      <a:noFill/>
+                    </a:lnL>
+                    <a:lnR>
+                      <a:noFill/>
+                    </a:lnR>
+                    <a:lnT>
+                      <a:noFill/>
+                    </a:lnT>
+                    <a:lnB>
+                      <a:noFill/>
+                    </a:lnB>
+                    <a:noFill/>
+                  </a:tcPr>
+                </a:tc>
+                <a:extLst>
+                  <a:ext uri="{0D108BD9-81ED-4DB2-BD59-A6C34878D82A}">
+                    <a16:rowId xmlns:a16="http://schemas.microsoft.com/office/drawing/2014/main" val="155439656"/>
+                  </a:ext>
+                </a:extLst>
+              </a:tr>
+              <a:tr h="0">
+                <a:tc>
+                  <a:txBody>
+                    <a:bodyPr/>
+                    <a:lstStyle/>
+                    <a:p>
+                      <a:r>
+                        <a:rPr lang="ko-KR" altLang="en-US"/>
+                        <a:t>마케팅팀</a:t>
+                      </a:r>
+                    </a:p>
+                  </a:txBody>
+                  <a:tcPr anchor="ctr">
+                    <a:lnL>
+                      <a:noFill/>
+                    </a:lnL>
+                    <a:lnR>
+                      <a:noFill/>
+                    </a:lnR>
+                    <a:lnT>
+                      <a:noFill/>
+                    </a:lnT>
+                    <a:lnB>
+                      <a:noFill/>
+                    </a:lnB>
+                    <a:noFill/>
+                  </a:tcPr>
+                </a:tc>
+                <a:tc>
+                  <a:txBody>
+                    <a:bodyPr/>
+                    <a:lstStyle/>
+                    <a:p>
+                      <a:r>
+                        <a:rPr lang="ko-KR" altLang="en-US"/>
+                        <a:t>민지</a:t>
+                      </a:r>
+                    </a:p>
+                  </a:txBody>
+                  <a:tcPr anchor="ctr">
+                    <a:lnL>
+                      <a:noFill/>
+                    </a:lnL>
+                    <a:lnR>
+                      <a:noFill/>
+                    </a:lnR>
+                    <a:lnT>
+                      <a:noFill/>
+                    </a:lnT>
+                    <a:lnB>
+                      <a:noFill/>
+                    </a:lnB>
+                    <a:noFill/>
+                  </a:tcPr>
+                </a:tc>
+                <a:tc>
+                  <a:txBody>
+                    <a:bodyPr/>
+                    <a:lstStyle/>
+                    <a:p>
+                      <a:r>
+                        <a:rPr lang="en-US" altLang="ko-KR"/>
+                        <a:t>SNS </a:t>
+                      </a:r>
+                      <a:r>
+                        <a:rPr lang="ko-KR" altLang="en-US"/>
+                        <a:t>홍보 콘텐츠 제작</a:t>
+                      </a:r>
+                    </a:p>
+                  </a:txBody>
+                  <a:tcPr anchor="ctr">
+                    <a:lnL>
+                      <a:noFill/>
+                    </a:lnL>
+                    <a:lnR>
+                      <a:noFill/>
+                    </a:lnR>
+                    <a:lnT>
+                      <a:noFill/>
+                    </a:lnT>
+                    <a:lnB>
+                      <a:noFill/>
+                    </a:lnB>
+                    <a:noFill/>
+                  </a:tcPr>
+                </a:tc>
+                <a:tc>
+                  <a:txBody>
+                    <a:bodyPr/>
+                    <a:lstStyle/>
+                    <a:p>
+                      <a:r>
+                        <a:rPr lang="ko-KR" altLang="en-US"/>
+                        <a:t>보류</a:t>
+                      </a:r>
+                    </a:p>
+                  </a:txBody>
+                  <a:tcPr anchor="ctr">
+                    <a:lnL>
+                      <a:noFill/>
+                    </a:lnL>
+                    <a:lnR>
+                      <a:noFill/>
+                    </a:lnR>
+                    <a:lnT>
+                      <a:noFill/>
+                    </a:lnT>
+                    <a:lnB>
+                      <a:noFill/>
+                    </a:lnB>
+                    <a:noFill/>
+                  </a:tcPr>
+                </a:tc>
+                <a:tc>
+                  <a:txBody>
+                    <a:bodyPr/>
+                    <a:lstStyle/>
+                    <a:p>
+                      <a:r>
+                        <a:rPr lang="ko-KR" altLang="en-US"/>
+                        <a:t>미정</a:t>
+                      </a:r>
+                    </a:p>
+                  </a:txBody>
+                  <a:tcPr anchor="ctr">
+                    <a:lnL>
+                      <a:noFill/>
+                    </a:lnL>
+                    <a:lnR>
+                      <a:noFill/>
+                    </a:lnR>
+                    <a:lnT>
+                      <a:noFill/>
+                    </a:lnT>
+                    <a:lnB>
+                      <a:noFill/>
+                    </a:lnB>
+                    <a:noFill/>
+                  </a:tcPr>
+                </a:tc>
+                <a:extLst>
+                  <a:ext uri="{0D108BD9-81ED-4DB2-BD59-A6C34878D82A}">
+                    <a16:rowId xmlns:a16="http://schemas.microsoft.com/office/drawing/2014/main" val="60768175"/>
+                  </a:ext>
+                </a:extLst>
+              </a:tr>
+            </a:tbl>
+          </a:graphicData>
+        </a:graphic>
+      </p:graphicFrame>
+      <p:graphicFrame>
+        <p:nvGraphicFramePr>
+          <p:cNvPr id="8" name="차트 7">
+            <a:extLst>
+              <a:ext uri="{FF2B5EF4-FFF2-40B4-BE49-F238E27FC236}">
+                <a16:creationId xmlns:a16="http://schemas.microsoft.com/office/drawing/2014/main" id="{B6BB8F9E-65FC-47BA-1F88-66CEE7C88871}"/>
+              </a:ext>
+            </a:extLst>
+          </p:cNvPr>
+          <p:cNvGraphicFramePr/>
+          <p:nvPr>
+            <p:extLst>
+              <p:ext uri="{D42A27DB-BD31-4B8C-83A1-F6EECF244321}">
+                <p14:modId xmlns:p14="http://schemas.microsoft.com/office/powerpoint/2010/main" val="693869493"/>
+              </p:ext>
+            </p:extLst>
+          </p:nvPr>
+        </p:nvGraphicFramePr>
+        <p:xfrm>
+          <a:off x="615768" y="3625643"/>
+          <a:ext cx="3562555" cy="2375037"/>
+        </p:xfrm>
+        <a:graphic>
+          <a:graphicData uri="http://schemas.openxmlformats.org/drawingml/2006/chart">
+            <c:chart xmlns:c="http://schemas.openxmlformats.org/drawingml/2006/chart" xmlns:r="http://schemas.openxmlformats.org/officeDocument/2006/relationships" r:id="rId2"/>
+          </a:graphicData>
+        </a:graphic>
+      </p:graphicFrame>
+    </p:spTree>
+    <p:extLst>
+      <p:ext uri="{BB962C8B-B14F-4D97-AF65-F5344CB8AC3E}">
+        <p14:creationId xmlns:p14="http://schemas.microsoft.com/office/powerpoint/2010/main" val="4218653604"/>
       </p:ext>
     </p:extLst>
   </p:cSld>
